--- a/CSCE689-23/G2.pptx
+++ b/CSCE689-23/G2.pptx
@@ -136,6 +136,11 @@
       </a:defRPr>
     </a:lvl9pPr>
   </p:defaultTextStyle>
+  <p:extLst>
+    <p:ext uri="{EFAFB233-063F-42B5-8137-9DF3F51BA10A}">
+      <p15:sldGuideLst xmlns:p15="http://schemas.microsoft.com/office/powerpoint/2012/main"/>
+    </p:ext>
+  </p:extLst>
 </p:presentation>
 </file>
 
@@ -221,7 +226,7 @@
           <a:p>
             <a:fld id="{B6A6F528-600A-4187-85FB-882E42944780}" type="datetimeFigureOut">
               <a:rPr lang="en-US" smtClean="0"/>
-              <a:t>9/28/2023</a:t>
+              <a:t>9/29/2023</a:t>
             </a:fld>
             <a:endParaRPr lang="en-US"/>
           </a:p>
@@ -2399,7 +2404,7 @@
           <a:p>
             <a:fld id="{E0DD2BE5-08AE-4358-8DF2-B17F1A75B006}" type="datetimeFigureOut">
               <a:rPr lang="en-US" smtClean="0"/>
-              <a:t>9/28/2023</a:t>
+              <a:t>9/29/2023</a:t>
             </a:fld>
             <a:endParaRPr lang="en-US"/>
           </a:p>
@@ -2597,7 +2602,7 @@
           <a:p>
             <a:fld id="{E0DD2BE5-08AE-4358-8DF2-B17F1A75B006}" type="datetimeFigureOut">
               <a:rPr lang="en-US" smtClean="0"/>
-              <a:t>9/28/2023</a:t>
+              <a:t>9/29/2023</a:t>
             </a:fld>
             <a:endParaRPr lang="en-US"/>
           </a:p>
@@ -2805,7 +2810,7 @@
           <a:p>
             <a:fld id="{E0DD2BE5-08AE-4358-8DF2-B17F1A75B006}" type="datetimeFigureOut">
               <a:rPr lang="en-US" smtClean="0"/>
-              <a:t>9/28/2023</a:t>
+              <a:t>9/29/2023</a:t>
             </a:fld>
             <a:endParaRPr lang="en-US"/>
           </a:p>
@@ -3003,7 +3008,7 @@
           <a:p>
             <a:fld id="{E0DD2BE5-08AE-4358-8DF2-B17F1A75B006}" type="datetimeFigureOut">
               <a:rPr lang="en-US" smtClean="0"/>
-              <a:t>9/28/2023</a:t>
+              <a:t>9/29/2023</a:t>
             </a:fld>
             <a:endParaRPr lang="en-US"/>
           </a:p>
@@ -3278,7 +3283,7 @@
           <a:p>
             <a:fld id="{E0DD2BE5-08AE-4358-8DF2-B17F1A75B006}" type="datetimeFigureOut">
               <a:rPr lang="en-US" smtClean="0"/>
-              <a:t>9/28/2023</a:t>
+              <a:t>9/29/2023</a:t>
             </a:fld>
             <a:endParaRPr lang="en-US"/>
           </a:p>
@@ -3543,7 +3548,7 @@
           <a:p>
             <a:fld id="{E0DD2BE5-08AE-4358-8DF2-B17F1A75B006}" type="datetimeFigureOut">
               <a:rPr lang="en-US" smtClean="0"/>
-              <a:t>9/28/2023</a:t>
+              <a:t>9/29/2023</a:t>
             </a:fld>
             <a:endParaRPr lang="en-US"/>
           </a:p>
@@ -3955,7 +3960,7 @@
           <a:p>
             <a:fld id="{E0DD2BE5-08AE-4358-8DF2-B17F1A75B006}" type="datetimeFigureOut">
               <a:rPr lang="en-US" smtClean="0"/>
-              <a:t>9/28/2023</a:t>
+              <a:t>9/29/2023</a:t>
             </a:fld>
             <a:endParaRPr lang="en-US"/>
           </a:p>
@@ -4096,7 +4101,7 @@
           <a:p>
             <a:fld id="{E0DD2BE5-08AE-4358-8DF2-B17F1A75B006}" type="datetimeFigureOut">
               <a:rPr lang="en-US" smtClean="0"/>
-              <a:t>9/28/2023</a:t>
+              <a:t>9/29/2023</a:t>
             </a:fld>
             <a:endParaRPr lang="en-US"/>
           </a:p>
@@ -4209,7 +4214,7 @@
           <a:p>
             <a:fld id="{E0DD2BE5-08AE-4358-8DF2-B17F1A75B006}" type="datetimeFigureOut">
               <a:rPr lang="en-US" smtClean="0"/>
-              <a:t>9/28/2023</a:t>
+              <a:t>9/29/2023</a:t>
             </a:fld>
             <a:endParaRPr lang="en-US"/>
           </a:p>
@@ -4520,7 +4525,7 @@
           <a:p>
             <a:fld id="{E0DD2BE5-08AE-4358-8DF2-B17F1A75B006}" type="datetimeFigureOut">
               <a:rPr lang="en-US" smtClean="0"/>
-              <a:t>9/28/2023</a:t>
+              <a:t>9/29/2023</a:t>
             </a:fld>
             <a:endParaRPr lang="en-US"/>
           </a:p>
@@ -4808,7 +4813,7 @@
           <a:p>
             <a:fld id="{E0DD2BE5-08AE-4358-8DF2-B17F1A75B006}" type="datetimeFigureOut">
               <a:rPr lang="en-US" smtClean="0"/>
-              <a:t>9/28/2023</a:t>
+              <a:t>9/29/2023</a:t>
             </a:fld>
             <a:endParaRPr lang="en-US"/>
           </a:p>
@@ -5049,7 +5054,7 @@
           <a:p>
             <a:fld id="{E0DD2BE5-08AE-4358-8DF2-B17F1A75B006}" type="datetimeFigureOut">
               <a:rPr lang="en-US" smtClean="0"/>
-              <a:t>9/28/2023</a:t>
+              <a:t>9/29/2023</a:t>
             </a:fld>
             <a:endParaRPr lang="en-US"/>
           </a:p>
@@ -8997,8 +9002,8 @@
           </p:sp>
         </mc:Fallback>
       </mc:AlternateContent>
-      <mc:AlternateContent xmlns:mc="http://schemas.openxmlformats.org/markup-compatibility/2006" xmlns:a14="http://schemas.microsoft.com/office/drawing/2010/main">
-        <mc:Choice Requires="a14">
+      <mc:AlternateContent xmlns:mc="http://schemas.openxmlformats.org/markup-compatibility/2006">
+        <mc:Choice xmlns:a14="http://schemas.microsoft.com/office/drawing/2010/main" Requires="a14">
           <p:sp>
             <p:nvSpPr>
               <p:cNvPr id="3" name="Content Placeholder 2">
@@ -9062,15 +9067,14 @@
                 </a:pPr>
                 <a:r>
                   <a:rPr lang="en-US" dirty="0"/>
-                  <a:t>Sorry, won’t reveal until next lecture (wait, don’t we already have a tool for this)?</a:t>
+                  <a:t>Sorry, won’t reveal until next lecture</a:t>
                 </a:r>
               </a:p>
               <a:p>
-                <a:pPr marL="0" indent="0">
+                <a:pPr>
                   <a:buClr>
                     <a:schemeClr val="tx1"/>
                   </a:buClr>
-                  <a:buNone/>
                 </a:pPr>
                 <a:endParaRPr lang="en-US" dirty="0"/>
               </a:p>
@@ -9152,7 +9156,7 @@
             </p:txBody>
           </p:sp>
         </mc:Choice>
-        <mc:Fallback xmlns="">
+        <mc:Fallback>
           <p:sp>
             <p:nvSpPr>
               <p:cNvPr id="3" name="Content Placeholder 2">
@@ -9177,7 +9181,7 @@
               <a:blipFill>
                 <a:blip r:embed="rId3"/>
                 <a:stretch>
-                  <a:fillRect l="-1102" t="-2204" r="-551"/>
+                  <a:fillRect l="-1102" t="-2204"/>
                 </a:stretch>
               </a:blipFill>
             </p:spPr>
@@ -42617,8 +42621,8 @@
           </p:sp>
         </mc:Fallback>
       </mc:AlternateContent>
-      <mc:AlternateContent xmlns:mc="http://schemas.openxmlformats.org/markup-compatibility/2006">
-        <mc:Choice xmlns:a14="http://schemas.microsoft.com/office/drawing/2010/main" Requires="a14">
+      <mc:AlternateContent xmlns:mc="http://schemas.openxmlformats.org/markup-compatibility/2006" xmlns:a14="http://schemas.microsoft.com/office/drawing/2010/main">
+        <mc:Choice Requires="a14">
           <p:sp>
             <p:nvSpPr>
               <p:cNvPr id="4" name="Content Placeholder 3"/>
@@ -42911,7 +42915,7 @@
             </p:txBody>
           </p:sp>
         </mc:Choice>
-        <mc:Fallback>
+        <mc:Fallback xmlns="">
           <p:sp>
             <p:nvSpPr>
               <p:cNvPr id="4" name="Content Placeholder 3"/>
